--- a/docs/diagrams/FilterParserErrorInheritanceDiagram.pptx
+++ b/docs/diagrams/FilterParserErrorInheritanceDiagram.pptx
@@ -208,7 +208,7 @@
           <a:p>
             <a:fld id="{F5CC4B3F-88C1-4FFA-B1B6-F41C21DC6924}" type="datetimeFigureOut">
               <a:rPr lang="en-US" smtClean="0"/>
-              <a:t>11/6/2018</a:t>
+              <a:t>11/12/2018</a:t>
             </a:fld>
             <a:endParaRPr lang="en-US"/>
           </a:p>
@@ -654,7 +654,7 @@
           <a:p>
             <a:fld id="{78C97017-6FC3-485B-9764-EAC9E56C1D49}" type="datetimeFigureOut">
               <a:rPr lang="en-US" smtClean="0"/>
-              <a:t>11/6/2018</a:t>
+              <a:t>11/12/2018</a:t>
             </a:fld>
             <a:endParaRPr lang="en-US"/>
           </a:p>
@@ -822,7 +822,7 @@
           <a:p>
             <a:fld id="{78C97017-6FC3-485B-9764-EAC9E56C1D49}" type="datetimeFigureOut">
               <a:rPr lang="en-US" smtClean="0"/>
-              <a:t>11/6/2018</a:t>
+              <a:t>11/12/2018</a:t>
             </a:fld>
             <a:endParaRPr lang="en-US"/>
           </a:p>
@@ -1000,7 +1000,7 @@
           <a:p>
             <a:fld id="{78C97017-6FC3-485B-9764-EAC9E56C1D49}" type="datetimeFigureOut">
               <a:rPr lang="en-US" smtClean="0"/>
-              <a:t>11/6/2018</a:t>
+              <a:t>11/12/2018</a:t>
             </a:fld>
             <a:endParaRPr lang="en-US"/>
           </a:p>
@@ -1168,7 +1168,7 @@
           <a:p>
             <a:fld id="{78C97017-6FC3-485B-9764-EAC9E56C1D49}" type="datetimeFigureOut">
               <a:rPr lang="en-US" smtClean="0"/>
-              <a:t>11/6/2018</a:t>
+              <a:t>11/12/2018</a:t>
             </a:fld>
             <a:endParaRPr lang="en-US"/>
           </a:p>
@@ -1413,7 +1413,7 @@
           <a:p>
             <a:fld id="{78C97017-6FC3-485B-9764-EAC9E56C1D49}" type="datetimeFigureOut">
               <a:rPr lang="en-US" smtClean="0"/>
-              <a:t>11/6/2018</a:t>
+              <a:t>11/12/2018</a:t>
             </a:fld>
             <a:endParaRPr lang="en-US"/>
           </a:p>
@@ -1698,7 +1698,7 @@
           <a:p>
             <a:fld id="{78C97017-6FC3-485B-9764-EAC9E56C1D49}" type="datetimeFigureOut">
               <a:rPr lang="en-US" smtClean="0"/>
-              <a:t>11/6/2018</a:t>
+              <a:t>11/12/2018</a:t>
             </a:fld>
             <a:endParaRPr lang="en-US"/>
           </a:p>
@@ -2117,7 +2117,7 @@
           <a:p>
             <a:fld id="{78C97017-6FC3-485B-9764-EAC9E56C1D49}" type="datetimeFigureOut">
               <a:rPr lang="en-US" smtClean="0"/>
-              <a:t>11/6/2018</a:t>
+              <a:t>11/12/2018</a:t>
             </a:fld>
             <a:endParaRPr lang="en-US"/>
           </a:p>
@@ -2234,7 +2234,7 @@
           <a:p>
             <a:fld id="{78C97017-6FC3-485B-9764-EAC9E56C1D49}" type="datetimeFigureOut">
               <a:rPr lang="en-US" smtClean="0"/>
-              <a:t>11/6/2018</a:t>
+              <a:t>11/12/2018</a:t>
             </a:fld>
             <a:endParaRPr lang="en-US"/>
           </a:p>
@@ -2329,7 +2329,7 @@
           <a:p>
             <a:fld id="{78C97017-6FC3-485B-9764-EAC9E56C1D49}" type="datetimeFigureOut">
               <a:rPr lang="en-US" smtClean="0"/>
-              <a:t>11/6/2018</a:t>
+              <a:t>11/12/2018</a:t>
             </a:fld>
             <a:endParaRPr lang="en-US"/>
           </a:p>
@@ -2604,7 +2604,7 @@
           <a:p>
             <a:fld id="{78C97017-6FC3-485B-9764-EAC9E56C1D49}" type="datetimeFigureOut">
               <a:rPr lang="en-US" smtClean="0"/>
-              <a:t>11/6/2018</a:t>
+              <a:t>11/12/2018</a:t>
             </a:fld>
             <a:endParaRPr lang="en-US"/>
           </a:p>
@@ -2856,7 +2856,7 @@
           <a:p>
             <a:fld id="{78C97017-6FC3-485B-9764-EAC9E56C1D49}" type="datetimeFigureOut">
               <a:rPr lang="en-US" smtClean="0"/>
-              <a:t>11/6/2018</a:t>
+              <a:t>11/12/2018</a:t>
             </a:fld>
             <a:endParaRPr lang="en-US"/>
           </a:p>
@@ -3067,7 +3067,7 @@
           <a:p>
             <a:fld id="{78C97017-6FC3-485B-9764-EAC9E56C1D49}" type="datetimeFigureOut">
               <a:rPr lang="en-US" smtClean="0"/>
-              <a:t>11/6/2018</a:t>
+              <a:t>11/12/2018</a:t>
             </a:fld>
             <a:endParaRPr lang="en-US"/>
           </a:p>
@@ -3478,7 +3478,7 @@
           <a:p>
             <a:pPr algn="ctr"/>
             <a:r>
-              <a:rPr lang="en-US" sz="1200" dirty="0" smtClean="0">
+              <a:rPr lang="en-US" sz="1200" dirty="0">
                 <a:solidFill>
                   <a:schemeClr val="tx1"/>
                 </a:solidFill>
@@ -3610,7 +3610,7 @@
           <a:p>
             <a:pPr algn="ctr"/>
             <a:r>
-              <a:rPr lang="en-US" sz="1200" dirty="0" err="1" smtClean="0">
+              <a:rPr lang="en-US" sz="1200" dirty="0" err="1">
                 <a:solidFill>
                   <a:schemeClr val="accent4"/>
                 </a:solidFill>
@@ -3661,7 +3661,7 @@
           <a:p>
             <a:pPr algn="ctr"/>
             <a:r>
-              <a:rPr lang="en-US" sz="1200" dirty="0" err="1" smtClean="0">
+              <a:rPr lang="en-US" sz="1200" dirty="0" err="1">
                 <a:solidFill>
                   <a:schemeClr val="accent4"/>
                 </a:solidFill>
@@ -3712,7 +3712,7 @@
           <a:p>
             <a:pPr algn="ctr"/>
             <a:r>
-              <a:rPr lang="en-US" sz="1200" dirty="0" err="1" smtClean="0">
+              <a:rPr lang="en-US" sz="1200" dirty="0" err="1">
                 <a:solidFill>
                   <a:schemeClr val="tx2"/>
                 </a:solidFill>
@@ -3763,7 +3763,7 @@
           <a:p>
             <a:pPr algn="ctr"/>
             <a:r>
-              <a:rPr lang="en-US" sz="1200" dirty="0" err="1" smtClean="0">
+              <a:rPr lang="en-US" sz="1200" dirty="0" err="1">
                 <a:solidFill>
                   <a:schemeClr val="tx2"/>
                 </a:solidFill>
@@ -3814,7 +3814,7 @@
           <a:p>
             <a:pPr algn="ctr"/>
             <a:r>
-              <a:rPr lang="en-US" sz="1200" dirty="0" err="1" smtClean="0">
+              <a:rPr lang="en-US" sz="1200" dirty="0" err="1">
                 <a:solidFill>
                   <a:schemeClr val="tx2"/>
                 </a:solidFill>
@@ -3847,13 +3847,13 @@
         </p:spPr>
         <p:style>
           <a:lnRef idx="1">
-            <a:schemeClr val="accent1"/>
+            <a:schemeClr val="accent3"/>
           </a:lnRef>
           <a:fillRef idx="2">
-            <a:schemeClr val="accent1"/>
+            <a:schemeClr val="accent3"/>
           </a:fillRef>
           <a:effectRef idx="1">
-            <a:schemeClr val="accent1"/>
+            <a:schemeClr val="accent3"/>
           </a:effectRef>
           <a:fontRef idx="minor">
             <a:schemeClr val="dk1"/>
@@ -3865,16 +3865,20 @@
           <a:p>
             <a:pPr algn="ctr"/>
             <a:r>
-              <a:rPr lang="en-US" sz="1200" dirty="0" err="1" smtClean="0">
+              <a:rPr lang="en-US" sz="1200" dirty="0" err="1">
                 <a:solidFill>
-                  <a:schemeClr val="tx2"/>
+                  <a:schemeClr val="accent3">
+                    <a:lumMod val="50000"/>
+                  </a:schemeClr>
                 </a:solidFill>
               </a:rPr>
               <a:t>TokenizationInvalidPredicateException</a:t>
             </a:r>
             <a:endParaRPr lang="en-SG" sz="1200" dirty="0">
               <a:solidFill>
-                <a:schemeClr val="tx2"/>
+                <a:schemeClr val="accent3">
+                  <a:lumMod val="50000"/>
+                </a:schemeClr>
               </a:solidFill>
             </a:endParaRPr>
           </a:p>
@@ -3916,7 +3920,7 @@
           <a:p>
             <a:pPr algn="ctr"/>
             <a:r>
-              <a:rPr lang="en-US" sz="1200" dirty="0" err="1" smtClean="0">
+              <a:rPr lang="en-US" sz="1200" dirty="0" err="1">
                 <a:solidFill>
                   <a:schemeClr val="tx2"/>
                 </a:solidFill>
@@ -3967,7 +3971,7 @@
           <a:p>
             <a:pPr algn="ctr"/>
             <a:r>
-              <a:rPr lang="en-US" sz="1200" dirty="0" err="1" smtClean="0">
+              <a:rPr lang="en-US" sz="1200" dirty="0" err="1">
                 <a:solidFill>
                   <a:schemeClr val="accent2"/>
                 </a:solidFill>
@@ -4018,7 +4022,7 @@
           <a:p>
             <a:pPr algn="ctr"/>
             <a:r>
-              <a:rPr lang="en-US" sz="1200" dirty="0" err="1" smtClean="0">
+              <a:rPr lang="en-US" sz="1200" dirty="0" err="1">
                 <a:solidFill>
                   <a:schemeClr val="accent2"/>
                 </a:solidFill>
@@ -4069,7 +4073,7 @@
           <a:p>
             <a:pPr algn="ctr"/>
             <a:r>
-              <a:rPr lang="en-US" sz="1200" dirty="0" err="1" smtClean="0">
+              <a:rPr lang="en-US" sz="1200" dirty="0" err="1">
                 <a:solidFill>
                   <a:schemeClr val="accent2"/>
                 </a:solidFill>
@@ -4120,7 +4124,7 @@
           <a:p>
             <a:pPr algn="ctr"/>
             <a:r>
-              <a:rPr lang="en-US" sz="1200" dirty="0" err="1" smtClean="0">
+              <a:rPr lang="en-US" sz="1200" dirty="0" err="1">
                 <a:solidFill>
                   <a:schemeClr val="accent2"/>
                 </a:solidFill>
@@ -4171,7 +4175,7 @@
           <a:p>
             <a:pPr algn="ctr"/>
             <a:r>
-              <a:rPr lang="en-US" sz="1200" dirty="0" err="1" smtClean="0">
+              <a:rPr lang="en-US" sz="1200" dirty="0" err="1">
                 <a:solidFill>
                   <a:schemeClr val="accent2"/>
                 </a:solidFill>
@@ -4222,7 +4226,7 @@
           <a:p>
             <a:pPr algn="ctr"/>
             <a:r>
-              <a:rPr lang="en-US" sz="1200" dirty="0" err="1" smtClean="0">
+              <a:rPr lang="en-US" sz="1200" dirty="0" err="1">
                 <a:solidFill>
                   <a:schemeClr val="accent2"/>
                 </a:solidFill>
@@ -4903,13 +4907,13 @@
         </p:spPr>
         <p:style>
           <a:lnRef idx="1">
-            <a:schemeClr val="accent1"/>
+            <a:schemeClr val="accent3"/>
           </a:lnRef>
           <a:fillRef idx="2">
-            <a:schemeClr val="accent1"/>
+            <a:schemeClr val="accent3"/>
           </a:fillRef>
           <a:effectRef idx="1">
-            <a:schemeClr val="accent1"/>
+            <a:schemeClr val="accent3"/>
           </a:effectRef>
           <a:fontRef idx="minor">
             <a:schemeClr val="dk1"/>
@@ -4921,16 +4925,20 @@
           <a:p>
             <a:pPr algn="ctr"/>
             <a:r>
-              <a:rPr lang="en-US" sz="1200" dirty="0" err="1" smtClean="0">
+              <a:rPr lang="en-US" sz="1200" dirty="0" err="1">
                 <a:solidFill>
-                  <a:schemeClr val="tx2"/>
+                  <a:schemeClr val="accent3">
+                    <a:lumMod val="50000"/>
+                  </a:schemeClr>
                 </a:solidFill>
               </a:rPr>
               <a:t>TokenizationInvalidPredicateException</a:t>
             </a:r>
             <a:endParaRPr lang="en-SG" sz="1200" dirty="0">
               <a:solidFill>
-                <a:schemeClr val="tx2"/>
+                <a:schemeClr val="accent3">
+                  <a:lumMod val="50000"/>
+                </a:schemeClr>
               </a:solidFill>
             </a:endParaRPr>
           </a:p>
@@ -4971,7 +4979,7 @@
           <a:lstStyle/>
           <a:p>
             <a:r>
-              <a:rPr lang="en-US" sz="1200" dirty="0" smtClean="0">
+              <a:rPr lang="en-US" sz="1200" dirty="0">
                 <a:solidFill>
                   <a:schemeClr val="accent4"/>
                 </a:solidFill>
@@ -4979,7 +4987,7 @@
               <a:t>+ </a:t>
             </a:r>
             <a:r>
-              <a:rPr lang="en-US" sz="1200" dirty="0" err="1" smtClean="0">
+              <a:rPr lang="en-US" sz="1200" dirty="0" err="1">
                 <a:solidFill>
                   <a:schemeClr val="accent4"/>
                 </a:solidFill>
@@ -4987,7 +4995,7 @@
               <a:t>getBeginIndex</a:t>
             </a:r>
             <a:r>
-              <a:rPr lang="en-US" sz="1200" dirty="0" smtClean="0">
+              <a:rPr lang="en-US" sz="1200" dirty="0">
                 <a:solidFill>
                   <a:schemeClr val="accent4"/>
                 </a:solidFill>
@@ -4995,14 +5003,14 @@
               <a:t>() : </a:t>
             </a:r>
             <a:r>
-              <a:rPr lang="en-US" sz="1200" dirty="0" err="1" smtClean="0">
+              <a:rPr lang="en-US" sz="1200" dirty="0" err="1">
                 <a:solidFill>
                   <a:schemeClr val="accent4"/>
                 </a:solidFill>
               </a:rPr>
               <a:t>int</a:t>
             </a:r>
-            <a:endParaRPr lang="en-US" sz="1200" dirty="0" smtClean="0">
+            <a:endParaRPr lang="en-US" sz="1200" dirty="0">
               <a:solidFill>
                 <a:schemeClr val="accent4"/>
               </a:solidFill>
@@ -5010,7 +5018,7 @@
           </a:p>
           <a:p>
             <a:r>
-              <a:rPr lang="en-US" sz="1200" dirty="0" smtClean="0">
+              <a:rPr lang="en-US" sz="1200" dirty="0">
                 <a:solidFill>
                   <a:schemeClr val="accent4"/>
                 </a:solidFill>
@@ -5018,7 +5026,7 @@
               <a:t>+ </a:t>
             </a:r>
             <a:r>
-              <a:rPr lang="en-US" sz="1200" dirty="0" err="1" smtClean="0">
+              <a:rPr lang="en-US" sz="1200" dirty="0" err="1">
                 <a:solidFill>
                   <a:schemeClr val="accent4"/>
                 </a:solidFill>
@@ -5026,7 +5034,7 @@
               <a:t>getEndIndex</a:t>
             </a:r>
             <a:r>
-              <a:rPr lang="en-US" sz="1200" dirty="0" smtClean="0">
+              <a:rPr lang="en-US" sz="1200" dirty="0">
                 <a:solidFill>
                   <a:schemeClr val="accent4"/>
                 </a:solidFill>
@@ -5034,7 +5042,7 @@
               <a:t>() : </a:t>
             </a:r>
             <a:r>
-              <a:rPr lang="en-US" sz="1200" dirty="0" err="1" smtClean="0">
+              <a:rPr lang="en-US" sz="1200" dirty="0" err="1">
                 <a:solidFill>
                   <a:schemeClr val="accent4"/>
                 </a:solidFill>
@@ -5085,7 +5093,7 @@
           <a:p>
             <a:pPr algn="ctr"/>
             <a:r>
-              <a:rPr lang="en-US" sz="1200" dirty="0" smtClean="0">
+              <a:rPr lang="en-US" sz="1200" dirty="0">
                 <a:solidFill>
                   <a:schemeClr val="tx1"/>
                 </a:solidFill>
@@ -5216,7 +5224,7 @@
           <a:p>
             <a:pPr algn="ctr"/>
             <a:r>
-              <a:rPr lang="en-US" sz="1200" dirty="0" err="1" smtClean="0">
+              <a:rPr lang="en-US" sz="1200" dirty="0" err="1">
                 <a:solidFill>
                   <a:schemeClr val="accent3">
                     <a:lumMod val="50000"/>
@@ -5254,7 +5262,7 @@
           </a:prstGeom>
           <a:ln w="19050">
             <a:solidFill>
-              <a:schemeClr val="accent1"/>
+              <a:schemeClr val="accent3"/>
             </a:solidFill>
           </a:ln>
         </p:spPr>
@@ -5288,7 +5296,7 @@
             <a:avLst/>
           </a:prstGeom>
           <a:solidFill>
-            <a:schemeClr val="accent1">
+            <a:schemeClr val="accent3">
               <a:lumMod val="50000"/>
             </a:schemeClr>
           </a:solidFill>
@@ -5355,7 +5363,7 @@
           <a:p>
             <a:pPr algn="ctr"/>
             <a:r>
-              <a:rPr lang="en-US" sz="1200" dirty="0" err="1" smtClean="0">
+              <a:rPr lang="en-US" sz="1200" dirty="0" err="1">
                 <a:solidFill>
                   <a:schemeClr val="accent3">
                     <a:lumMod val="50000"/>
@@ -5410,7 +5418,7 @@
           <a:p>
             <a:pPr algn="ctr"/>
             <a:r>
-              <a:rPr lang="en-US" sz="1200" dirty="0" err="1" smtClean="0">
+              <a:rPr lang="en-US" sz="1200" dirty="0" err="1">
                 <a:solidFill>
                   <a:schemeClr val="accent3">
                     <a:lumMod val="50000"/>
@@ -5465,7 +5473,7 @@
           <a:p>
             <a:pPr algn="ctr"/>
             <a:r>
-              <a:rPr lang="en-US" sz="1200" dirty="0" err="1" smtClean="0">
+              <a:rPr lang="en-US" sz="1200" dirty="0" err="1">
                 <a:solidFill>
                   <a:schemeClr val="accent3">
                     <a:lumMod val="50000"/>
@@ -5520,7 +5528,7 @@
           <a:p>
             <a:pPr algn="ctr"/>
             <a:r>
-              <a:rPr lang="en-US" sz="1200" dirty="0" err="1" smtClean="0">
+              <a:rPr lang="en-US" sz="1200" dirty="0" err="1">
                 <a:solidFill>
                   <a:schemeClr val="accent3">
                     <a:lumMod val="50000"/>
@@ -5575,7 +5583,7 @@
           <a:p>
             <a:pPr algn="ctr"/>
             <a:r>
-              <a:rPr lang="en-US" sz="1200" dirty="0" err="1" smtClean="0">
+              <a:rPr lang="en-US" sz="1200" dirty="0" err="1">
                 <a:solidFill>
                   <a:schemeClr val="accent3">
                     <a:lumMod val="50000"/>
